--- a/Sesión_4/Actividad - Sistemas de primer orden Discretos.pptx
+++ b/Sesión_4/Actividad - Sistemas de primer orden Discretos.pptx
@@ -158,6 +158,14 @@
 </p:presentation>
 </file>
 
+<file path=ppt/revisionInfo.xml><?xml version="1.0" encoding="utf-8"?>
+<p1510:revInfo xmlns:a="http://schemas.openxmlformats.org/drawingml/2006/main" xmlns:r="http://schemas.openxmlformats.org/officeDocument/2006/relationships" xmlns:p1510="http://schemas.microsoft.com/office/powerpoint/2015/10/main">
+  <p1510:revLst>
+    <p1510:client id="{67922B75-72F1-4D4C-A3DC-B1930B6006B8}" v="1" dt="2025-01-13T19:24:32.231"/>
+  </p1510:revLst>
+</p1510:revInfo>
+</file>
+
 <file path=ppt/changesInfos/changesInfo1.xml><?xml version="1.0" encoding="utf-8"?>
 <pc:chgInfo xmlns:a="http://schemas.openxmlformats.org/drawingml/2006/main" xmlns:r="http://schemas.openxmlformats.org/officeDocument/2006/relationships" xmlns:ac="http://schemas.microsoft.com/office/drawing/2013/main/command" xmlns:pc="http://schemas.microsoft.com/office/powerpoint/2013/main/command">
   <pc:docChgLst>
@@ -173,14 +181,6 @@
           <pc:docMk/>
           <pc:sldMk cId="2152738375" sldId="279"/>
         </pc:sldMkLst>
-        <pc:spChg chg="mod">
-          <ac:chgData name="DIEGO ALEJANDRO RODRIGUEZ GOMEZ" userId="S::darodriguezgo@itc.edu.co::1e2337d8-8fab-437d-a653-fa453b036901" providerId="AD" clId="Web-{4BADA2A2-50D5-C957-D850-144BE943190C}" dt="2024-11-25T04:04:40.200" v="3" actId="1076"/>
-          <ac:spMkLst>
-            <pc:docMk/>
-            <pc:sldMk cId="2152738375" sldId="279"/>
-            <ac:spMk id="4" creationId="{156D4460-BDB7-C14D-E9C4-A3AB5A3A03FB}"/>
-          </ac:spMkLst>
-        </pc:spChg>
       </pc:sldChg>
       <pc:sldChg chg="ord">
         <pc:chgData name="DIEGO ALEJANDRO RODRIGUEZ GOMEZ" userId="S::darodriguezgo@itc.edu.co::1e2337d8-8fab-437d-a653-fa453b036901" providerId="AD" clId="Web-{4BADA2A2-50D5-C957-D850-144BE943190C}" dt="2024-11-25T04:06:24.563" v="4"/>
@@ -988,10 +988,33 @@
   <pc:docChgLst>
     <pc:chgData name="JHEYSON FABIAN VILLAVISAN BUITRAGO" userId="e5ced5c2-d787-455d-b115-4f08a699b8c8" providerId="ADAL" clId="{67922B75-72F1-4D4C-A3DC-B1930B6006B8}"/>
     <pc:docChg chg="undo custSel addSld delSld modSld modSection">
-      <pc:chgData name="JHEYSON FABIAN VILLAVISAN BUITRAGO" userId="e5ced5c2-d787-455d-b115-4f08a699b8c8" providerId="ADAL" clId="{67922B75-72F1-4D4C-A3DC-B1930B6006B8}" dt="2025-01-03T20:03:51.780" v="23" actId="20577"/>
+      <pc:chgData name="JHEYSON FABIAN VILLAVISAN BUITRAGO" userId="e5ced5c2-d787-455d-b115-4f08a699b8c8" providerId="ADAL" clId="{67922B75-72F1-4D4C-A3DC-B1930B6006B8}" dt="2025-01-13T19:24:32.231" v="25"/>
       <pc:docMkLst>
         <pc:docMk/>
       </pc:docMkLst>
+      <pc:sldChg chg="addSp delSp modSp mod">
+        <pc:chgData name="JHEYSON FABIAN VILLAVISAN BUITRAGO" userId="e5ced5c2-d787-455d-b115-4f08a699b8c8" providerId="ADAL" clId="{67922B75-72F1-4D4C-A3DC-B1930B6006B8}" dt="2025-01-13T19:24:32.231" v="25"/>
+        <pc:sldMkLst>
+          <pc:docMk/>
+          <pc:sldMk cId="2505371292" sldId="270"/>
+        </pc:sldMkLst>
+        <pc:graphicFrameChg chg="del">
+          <ac:chgData name="JHEYSON FABIAN VILLAVISAN BUITRAGO" userId="e5ced5c2-d787-455d-b115-4f08a699b8c8" providerId="ADAL" clId="{67922B75-72F1-4D4C-A3DC-B1930B6006B8}" dt="2025-01-13T19:24:31.966" v="24" actId="478"/>
+          <ac:graphicFrameMkLst>
+            <pc:docMk/>
+            <pc:sldMk cId="2505371292" sldId="270"/>
+            <ac:graphicFrameMk id="2" creationId="{25E9FD53-F152-3D37-F2CC-D22419C66AF0}"/>
+          </ac:graphicFrameMkLst>
+        </pc:graphicFrameChg>
+        <pc:graphicFrameChg chg="add mod">
+          <ac:chgData name="JHEYSON FABIAN VILLAVISAN BUITRAGO" userId="e5ced5c2-d787-455d-b115-4f08a699b8c8" providerId="ADAL" clId="{67922B75-72F1-4D4C-A3DC-B1930B6006B8}" dt="2025-01-13T19:24:32.231" v="25"/>
+          <ac:graphicFrameMkLst>
+            <pc:docMk/>
+            <pc:sldMk cId="2505371292" sldId="270"/>
+            <ac:graphicFrameMk id="3" creationId="{D2E11A35-3BB8-6158-B83B-B5625145755D}"/>
+          </ac:graphicFrameMkLst>
+        </pc:graphicFrameChg>
+      </pc:sldChg>
       <pc:sldChg chg="del">
         <pc:chgData name="JHEYSON FABIAN VILLAVISAN BUITRAGO" userId="e5ced5c2-d787-455d-b115-4f08a699b8c8" providerId="ADAL" clId="{67922B75-72F1-4D4C-A3DC-B1930B6006B8}" dt="2025-01-03T20:02:09.141" v="0" actId="47"/>
         <pc:sldMkLst>
@@ -1207,7 +1230,7 @@
               <a:pPr>
                 <a:defRPr/>
               </a:pPr>
-              <a:t>3/01/2025</a:t>
+              <a:t>13/01/2025</a:t>
             </a:fld>
             <a:endParaRPr lang="es-CO"/>
           </a:p>
@@ -1450,7 +1473,7 @@
               <a:pPr>
                 <a:defRPr/>
               </a:pPr>
-              <a:t>3/01/2025</a:t>
+              <a:t>13/01/2025</a:t>
             </a:fld>
             <a:endParaRPr lang="es-CO"/>
           </a:p>
@@ -2630,7 +2653,7 @@
           <a:p>
             <a:fld id="{9CF7635E-2D71-42E7-9E6C-FBB85A15A85F}" type="datetimeFigureOut">
               <a:rPr lang="es-CO" smtClean="0"/>
-              <a:t>3/01/2025</a:t>
+              <a:t>13/01/2025</a:t>
             </a:fld>
             <a:endParaRPr lang="es-CO"/>
           </a:p>
@@ -2896,7 +2919,7 @@
           <a:p>
             <a:fld id="{9CF7635E-2D71-42E7-9E6C-FBB85A15A85F}" type="datetimeFigureOut">
               <a:rPr lang="es-CO" smtClean="0"/>
-              <a:t>3/01/2025</a:t>
+              <a:t>13/01/2025</a:t>
             </a:fld>
             <a:endParaRPr lang="es-CO"/>
           </a:p>
@@ -3112,7 +3135,7 @@
           <a:p>
             <a:fld id="{9CF7635E-2D71-42E7-9E6C-FBB85A15A85F}" type="datetimeFigureOut">
               <a:rPr lang="es-CO" smtClean="0"/>
-              <a:t>3/01/2025</a:t>
+              <a:t>13/01/2025</a:t>
             </a:fld>
             <a:endParaRPr lang="es-CO"/>
           </a:p>
@@ -4741,7 +4764,7 @@
           <a:p>
             <a:fld id="{9CF7635E-2D71-42E7-9E6C-FBB85A15A85F}" type="datetimeFigureOut">
               <a:rPr lang="es-CO" smtClean="0"/>
-              <a:t>3/01/2025</a:t>
+              <a:t>13/01/2025</a:t>
             </a:fld>
             <a:endParaRPr lang="es-CO"/>
           </a:p>
@@ -5188,7 +5211,7 @@
           <a:p>
             <a:fld id="{9CF7635E-2D71-42E7-9E6C-FBB85A15A85F}" type="datetimeFigureOut">
               <a:rPr lang="es-CO" smtClean="0"/>
-              <a:t>3/01/2025</a:t>
+              <a:t>13/01/2025</a:t>
             </a:fld>
             <a:endParaRPr lang="es-CO"/>
           </a:p>
@@ -5462,7 +5485,7 @@
           <a:p>
             <a:fld id="{9CF7635E-2D71-42E7-9E6C-FBB85A15A85F}" type="datetimeFigureOut">
               <a:rPr lang="es-CO" smtClean="0"/>
-              <a:t>3/01/2025</a:t>
+              <a:t>13/01/2025</a:t>
             </a:fld>
             <a:endParaRPr lang="es-CO"/>
           </a:p>
@@ -5883,7 +5906,7 @@
           <a:p>
             <a:fld id="{9CF7635E-2D71-42E7-9E6C-FBB85A15A85F}" type="datetimeFigureOut">
               <a:rPr lang="es-CO" smtClean="0"/>
-              <a:t>3/01/2025</a:t>
+              <a:t>13/01/2025</a:t>
             </a:fld>
             <a:endParaRPr lang="es-CO"/>
           </a:p>
@@ -6031,7 +6054,7 @@
           <a:p>
             <a:fld id="{9CF7635E-2D71-42E7-9E6C-FBB85A15A85F}" type="datetimeFigureOut">
               <a:rPr lang="es-CO" smtClean="0"/>
-              <a:t>3/01/2025</a:t>
+              <a:t>13/01/2025</a:t>
             </a:fld>
             <a:endParaRPr lang="es-CO"/>
           </a:p>
@@ -6150,7 +6173,7 @@
           <a:p>
             <a:fld id="{9CF7635E-2D71-42E7-9E6C-FBB85A15A85F}" type="datetimeFigureOut">
               <a:rPr lang="es-CO" smtClean="0"/>
-              <a:t>3/01/2025</a:t>
+              <a:t>13/01/2025</a:t>
             </a:fld>
             <a:endParaRPr lang="es-CO"/>
           </a:p>
@@ -6469,7 +6492,7 @@
           <a:p>
             <a:fld id="{9CF7635E-2D71-42E7-9E6C-FBB85A15A85F}" type="datetimeFigureOut">
               <a:rPr lang="es-CO" smtClean="0"/>
-              <a:t>3/01/2025</a:t>
+              <a:t>13/01/2025</a:t>
             </a:fld>
             <a:endParaRPr lang="es-CO"/>
           </a:p>
@@ -6764,7 +6787,7 @@
           <a:p>
             <a:fld id="{9CF7635E-2D71-42E7-9E6C-FBB85A15A85F}" type="datetimeFigureOut">
               <a:rPr lang="es-CO" smtClean="0"/>
-              <a:t>3/01/2025</a:t>
+              <a:t>13/01/2025</a:t>
             </a:fld>
             <a:endParaRPr lang="es-CO"/>
           </a:p>
@@ -7013,7 +7036,7 @@
           <a:p>
             <a:fld id="{9CF7635E-2D71-42E7-9E6C-FBB85A15A85F}" type="datetimeFigureOut">
               <a:rPr lang="es-CO" smtClean="0"/>
-              <a:t>3/01/2025</a:t>
+              <a:t>13/01/2025</a:t>
             </a:fld>
             <a:endParaRPr lang="es-CO"/>
           </a:p>
@@ -8407,10 +8430,10 @@
       </p:sp>
       <p:graphicFrame>
         <p:nvGraphicFramePr>
-          <p:cNvPr id="2" name="Tabla 3">
+          <p:cNvPr id="3" name="Tabla 3">
             <a:extLst>
               <a:ext uri="{FF2B5EF4-FFF2-40B4-BE49-F238E27FC236}">
-                <a16:creationId xmlns:a16="http://schemas.microsoft.com/office/drawing/2014/main" id="{25E9FD53-F152-3D37-F2CC-D22419C66AF0}"/>
+                <a16:creationId xmlns:a16="http://schemas.microsoft.com/office/drawing/2014/main" id="{D2E11A35-3BB8-6158-B83B-B5625145755D}"/>
               </a:ext>
             </a:extLst>
           </p:cNvPr>
@@ -8420,14 +8443,14 @@
           <p:nvPr>
             <p:extLst>
               <p:ext uri="{D42A27DB-BD31-4B8C-83A1-F6EECF244321}">
-                <p14:modId xmlns:p14="http://schemas.microsoft.com/office/powerpoint/2010/main" val="3441811199"/>
+                <p14:modId xmlns:p14="http://schemas.microsoft.com/office/powerpoint/2010/main" val="1395475829"/>
               </p:ext>
             </p:extLst>
           </p:nvPr>
         </p:nvGraphicFramePr>
         <p:xfrm>
-          <a:off x="863588" y="839478"/>
-          <a:ext cx="7416824" cy="5753068"/>
+          <a:off x="863588" y="670925"/>
+          <a:ext cx="7416824" cy="5483937"/>
         </p:xfrm>
         <a:graphic>
           <a:graphicData uri="http://schemas.openxmlformats.org/drawingml/2006/table">
@@ -8597,7 +8620,7 @@
                       <a:pPr algn="ctr"/>
                       <a:r>
                         <a:rPr lang="es-CO" sz="1000" dirty="0"/>
-                        <a:t>5 agosto – 10 agosto</a:t>
+                        <a:t>3 febrero – 7 febrero</a:t>
                       </a:r>
                     </a:p>
                   </a:txBody>
@@ -8804,7 +8827,7 @@
                             <a:schemeClr val="tx1"/>
                           </a:solidFill>
                         </a:rPr>
-                        <a:t>12 agosto – 16 agosto</a:t>
+                        <a:t>10 febrero – 14 febrero</a:t>
                       </a:r>
                     </a:p>
                   </a:txBody>
@@ -8965,13 +8988,10 @@
                       <a:r>
                         <a:rPr lang="es-CO" sz="1000" dirty="0">
                           <a:solidFill>
-                            <a:srgbClr val="FF0000"/>
+                            <a:schemeClr val="tx1"/>
                           </a:solidFill>
-                          <a:highlight>
-                            <a:srgbClr val="FFFF00"/>
-                          </a:highlight>
                         </a:rPr>
-                        <a:t>19 agosto –23 agosto</a:t>
+                        <a:t>17 febrero – 21 febrero</a:t>
                       </a:r>
                     </a:p>
                   </a:txBody>
@@ -9135,7 +9155,7 @@
                             <a:schemeClr val="tx1"/>
                           </a:solidFill>
                         </a:rPr>
-                        <a:t>26 agosto – 30 agosto</a:t>
+                        <a:t>24 febrero – 28 febrero</a:t>
                       </a:r>
                     </a:p>
                   </a:txBody>
@@ -9302,7 +9322,7 @@
                       <a:pPr algn="ctr"/>
                       <a:r>
                         <a:rPr lang="es-CO" sz="1000" dirty="0"/>
-                        <a:t>2 septiembre – 6 septiembre</a:t>
+                        <a:t>3 marzo – 7 marzo</a:t>
                       </a:r>
                     </a:p>
                   </a:txBody>
@@ -9352,11 +9372,7 @@
                     <a:p>
                       <a:pPr algn="ctr"/>
                       <a:r>
-                        <a:rPr lang="es-CO" sz="1000" dirty="0">
-                          <a:highlight>
-                            <a:srgbClr val="00FF00"/>
-                          </a:highlight>
-                        </a:rPr>
+                        <a:rPr lang="es-CO" sz="1000" dirty="0"/>
                         <a:t>Sistemas discretos de 1er y 2do orden .</a:t>
                       </a:r>
                     </a:p>
@@ -9470,7 +9486,7 @@
                             <a:schemeClr val="tx1"/>
                           </a:solidFill>
                         </a:rPr>
-                        <a:t>9 septiembre – 13 septiembre</a:t>
+                        <a:t>10 marzo – 14 marzo</a:t>
                       </a:r>
                     </a:p>
                   </a:txBody>
@@ -9634,7 +9650,7 @@
                       <a:pPr algn="ctr"/>
                       <a:r>
                         <a:rPr lang="es-CO" sz="1000" dirty="0"/>
-                        <a:t> 18 marzo – 22 marzo</a:t>
+                        <a:t> 17 marzo – 21 marzo</a:t>
                       </a:r>
                     </a:p>
                   </a:txBody>
@@ -9795,10 +9811,13 @@
                       <a:r>
                         <a:rPr lang="es-CO" sz="1000" dirty="0">
                           <a:solidFill>
-                            <a:schemeClr val="tx1"/>
+                            <a:srgbClr val="FF0000"/>
                           </a:solidFill>
+                          <a:highlight>
+                            <a:srgbClr val="FFFF00"/>
+                          </a:highlight>
                         </a:rPr>
-                        <a:t>16 septiembre – 20 septiembre</a:t>
+                        <a:t>24 marzo – 28 marzo</a:t>
                       </a:r>
                     </a:p>
                   </a:txBody>
@@ -10006,7 +10025,7 @@
                             <a:schemeClr val="tx1"/>
                           </a:solidFill>
                         </a:rPr>
-                        <a:t>23 septiembre – 27 septiembre</a:t>
+                        <a:t>31 marzo – 4 abril</a:t>
                       </a:r>
                     </a:p>
                   </a:txBody>
@@ -10172,7 +10191,7 @@
                       <a:pPr algn="ctr"/>
                       <a:r>
                         <a:rPr lang="es-CO" sz="1000" dirty="0"/>
-                        <a:t>30 septiembre – 4 octubre</a:t>
+                        <a:t>7 abril – 11 abril</a:t>
                       </a:r>
                     </a:p>
                   </a:txBody>
@@ -10349,10 +10368,13 @@
                       <a:r>
                         <a:rPr lang="es-CO" sz="1000" dirty="0">
                           <a:solidFill>
-                            <a:schemeClr val="tx1"/>
+                            <a:srgbClr val="FF0000"/>
                           </a:solidFill>
+                          <a:highlight>
+                            <a:srgbClr val="FFFF00"/>
+                          </a:highlight>
                         </a:rPr>
-                        <a:t>7 octubre – 11 octubre</a:t>
+                        <a:t>14 abril – 18 abril</a:t>
                       </a:r>
                     </a:p>
                   </a:txBody>
@@ -10419,7 +10441,7 @@
                       </a:pPr>
                       <a:r>
                         <a:rPr lang="es-CO" sz="1000" dirty="0"/>
-                        <a:t>El controlador PID</a:t>
+                        <a:t>-</a:t>
                       </a:r>
                     </a:p>
                   </a:txBody>
@@ -10529,205 +10551,10 @@
                       <a:r>
                         <a:rPr lang="es-CO" sz="1000" dirty="0">
                           <a:solidFill>
-                            <a:srgbClr val="FF0000"/>
+                            <a:schemeClr val="tx1"/>
                           </a:solidFill>
-                          <a:highlight>
-                            <a:srgbClr val="FFFF00"/>
-                          </a:highlight>
                         </a:rPr>
-                        <a:t>14 octubre – 18 octubre </a:t>
-                      </a:r>
-                    </a:p>
-                  </a:txBody>
-                  <a:tcPr>
-                    <a:lnL w="12700" cap="flat" cmpd="sng" algn="ctr">
-                      <a:solidFill>
-                        <a:schemeClr val="tx1"/>
-                      </a:solidFill>
-                      <a:prstDash val="solid"/>
-                      <a:round/>
-                      <a:headEnd type="none" w="med" len="med"/>
-                      <a:tailEnd type="none" w="med" len="med"/>
-                    </a:lnL>
-                    <a:lnR w="12700" cap="flat" cmpd="sng" algn="ctr">
-                      <a:solidFill>
-                        <a:schemeClr val="tx1"/>
-                      </a:solidFill>
-                      <a:prstDash val="solid"/>
-                      <a:round/>
-                      <a:headEnd type="none" w="med" len="med"/>
-                      <a:tailEnd type="none" w="med" len="med"/>
-                    </a:lnR>
-                    <a:lnT w="12700" cap="flat" cmpd="sng" algn="ctr">
-                      <a:solidFill>
-                        <a:schemeClr val="tx1"/>
-                      </a:solidFill>
-                      <a:prstDash val="solid"/>
-                      <a:round/>
-                      <a:headEnd type="none" w="med" len="med"/>
-                      <a:tailEnd type="none" w="med" len="med"/>
-                    </a:lnT>
-                    <a:lnB w="12700" cap="flat" cmpd="sng" algn="ctr">
-                      <a:solidFill>
-                        <a:schemeClr val="tx1"/>
-                      </a:solidFill>
-                      <a:prstDash val="solid"/>
-                      <a:round/>
-                      <a:headEnd type="none" w="med" len="med"/>
-                      <a:tailEnd type="none" w="med" len="med"/>
-                    </a:lnB>
-                  </a:tcPr>
-                </a:tc>
-                <a:tc>
-                  <a:txBody>
-                    <a:bodyPr/>
-                    <a:lstStyle/>
-                    <a:p>
-                      <a:pPr marL="0" marR="0" lvl="0" indent="0" algn="ctr" defTabSz="685800" rtl="0" eaLnBrk="1" fontAlgn="auto" latinLnBrk="0" hangingPunct="1">
-                        <a:lnSpc>
-                          <a:spcPct val="100000"/>
-                        </a:lnSpc>
-                        <a:spcBef>
-                          <a:spcPts val="0"/>
-                        </a:spcBef>
-                        <a:spcAft>
-                          <a:spcPts val="0"/>
-                        </a:spcAft>
-                        <a:buClrTx/>
-                        <a:buSzTx/>
-                        <a:buFontTx/>
-                        <a:buNone/>
-                        <a:tabLst/>
-                        <a:defRPr/>
-                      </a:pPr>
-                      <a:r>
-                        <a:rPr lang="es-CO" sz="1000" dirty="0"/>
-                        <a:t>Diseño basado en LGR</a:t>
-                      </a:r>
-                    </a:p>
-                  </a:txBody>
-                  <a:tcPr>
-                    <a:lnL w="12700" cap="flat" cmpd="sng" algn="ctr">
-                      <a:solidFill>
-                        <a:schemeClr val="tx1"/>
-                      </a:solidFill>
-                      <a:prstDash val="solid"/>
-                      <a:round/>
-                      <a:headEnd type="none" w="med" len="med"/>
-                      <a:tailEnd type="none" w="med" len="med"/>
-                    </a:lnL>
-                    <a:lnR w="12700" cap="flat" cmpd="sng" algn="ctr">
-                      <a:solidFill>
-                        <a:schemeClr val="tx1"/>
-                      </a:solidFill>
-                      <a:prstDash val="solid"/>
-                      <a:round/>
-                      <a:headEnd type="none" w="med" len="med"/>
-                      <a:tailEnd type="none" w="med" len="med"/>
-                    </a:lnR>
-                    <a:lnT w="12700" cap="flat" cmpd="sng" algn="ctr">
-                      <a:solidFill>
-                        <a:schemeClr val="tx1"/>
-                      </a:solidFill>
-                      <a:prstDash val="solid"/>
-                      <a:round/>
-                      <a:headEnd type="none" w="med" len="med"/>
-                      <a:tailEnd type="none" w="med" len="med"/>
-                    </a:lnT>
-                    <a:lnB w="12700" cap="flat" cmpd="sng" algn="ctr">
-                      <a:solidFill>
-                        <a:schemeClr val="tx1"/>
-                      </a:solidFill>
-                      <a:prstDash val="solid"/>
-                      <a:round/>
-                      <a:headEnd type="none" w="med" len="med"/>
-                      <a:tailEnd type="none" w="med" len="med"/>
-                    </a:lnB>
-                  </a:tcPr>
-                </a:tc>
-                <a:extLst>
-                  <a:ext uri="{0D108BD9-81ED-4DB2-BD59-A6C34878D82A}">
-                    <a16:rowId xmlns:a16="http://schemas.microsoft.com/office/drawing/2014/main" val="534397848"/>
-                  </a:ext>
-                </a:extLst>
-              </a:tr>
-              <a:tr h="269131">
-                <a:tc>
-                  <a:txBody>
-                    <a:bodyPr/>
-                    <a:lstStyle/>
-                    <a:p>
-                      <a:pPr algn="ctr"/>
-                      <a:r>
-                        <a:rPr lang="es-CO" sz="1000" dirty="0"/>
-                        <a:t>13</a:t>
-                      </a:r>
-                    </a:p>
-                  </a:txBody>
-                  <a:tcPr>
-                    <a:lnL w="12700" cap="flat" cmpd="sng" algn="ctr">
-                      <a:solidFill>
-                        <a:schemeClr val="tx1"/>
-                      </a:solidFill>
-                      <a:prstDash val="solid"/>
-                      <a:round/>
-                      <a:headEnd type="none" w="med" len="med"/>
-                      <a:tailEnd type="none" w="med" len="med"/>
-                    </a:lnL>
-                    <a:lnR w="12700" cap="flat" cmpd="sng" algn="ctr">
-                      <a:solidFill>
-                        <a:schemeClr val="tx1"/>
-                      </a:solidFill>
-                      <a:prstDash val="solid"/>
-                      <a:round/>
-                      <a:headEnd type="none" w="med" len="med"/>
-                      <a:tailEnd type="none" w="med" len="med"/>
-                    </a:lnR>
-                    <a:lnT w="12700" cap="flat" cmpd="sng" algn="ctr">
-                      <a:solidFill>
-                        <a:schemeClr val="tx1"/>
-                      </a:solidFill>
-                      <a:prstDash val="solid"/>
-                      <a:round/>
-                      <a:headEnd type="none" w="med" len="med"/>
-                      <a:tailEnd type="none" w="med" len="med"/>
-                    </a:lnT>
-                    <a:lnB w="12700" cap="flat" cmpd="sng" algn="ctr">
-                      <a:solidFill>
-                        <a:schemeClr val="tx1"/>
-                      </a:solidFill>
-                      <a:prstDash val="solid"/>
-                      <a:round/>
-                      <a:headEnd type="none" w="med" len="med"/>
-                      <a:tailEnd type="none" w="med" len="med"/>
-                    </a:lnB>
-                  </a:tcPr>
-                </a:tc>
-                <a:tc>
-                  <a:txBody>
-                    <a:bodyPr/>
-                    <a:lstStyle/>
-                    <a:p>
-                      <a:pPr marL="0" marR="0" lvl="0" indent="0" algn="ctr" defTabSz="914400" rtl="0" eaLnBrk="1" fontAlgn="auto" latinLnBrk="0" hangingPunct="1">
-                        <a:lnSpc>
-                          <a:spcPct val="100000"/>
-                        </a:lnSpc>
-                        <a:spcBef>
-                          <a:spcPts val="0"/>
-                        </a:spcBef>
-                        <a:spcAft>
-                          <a:spcPts val="0"/>
-                        </a:spcAft>
-                        <a:buClrTx/>
-                        <a:buSzTx/>
-                        <a:buFontTx/>
-                        <a:buNone/>
-                        <a:tabLst/>
-                        <a:defRPr/>
-                      </a:pPr>
-                      <a:r>
-                        <a:rPr lang="es-CO" sz="1000" dirty="0"/>
-                        <a:t>21 octubre – 25 octubre</a:t>
+                        <a:t>21 abril – 25 abril</a:t>
                       </a:r>
                     </a:p>
                   </a:txBody>
@@ -10843,6 +10670,198 @@
                 </a:tc>
                 <a:extLst>
                   <a:ext uri="{0D108BD9-81ED-4DB2-BD59-A6C34878D82A}">
+                    <a16:rowId xmlns:a16="http://schemas.microsoft.com/office/drawing/2014/main" val="534397848"/>
+                  </a:ext>
+                </a:extLst>
+              </a:tr>
+              <a:tr h="269131">
+                <a:tc>
+                  <a:txBody>
+                    <a:bodyPr/>
+                    <a:lstStyle/>
+                    <a:p>
+                      <a:pPr algn="ctr"/>
+                      <a:r>
+                        <a:rPr lang="es-CO" sz="1000" dirty="0"/>
+                        <a:t>13</a:t>
+                      </a:r>
+                    </a:p>
+                  </a:txBody>
+                  <a:tcPr>
+                    <a:lnL w="12700" cap="flat" cmpd="sng" algn="ctr">
+                      <a:solidFill>
+                        <a:schemeClr val="tx1"/>
+                      </a:solidFill>
+                      <a:prstDash val="solid"/>
+                      <a:round/>
+                      <a:headEnd type="none" w="med" len="med"/>
+                      <a:tailEnd type="none" w="med" len="med"/>
+                    </a:lnL>
+                    <a:lnR w="12700" cap="flat" cmpd="sng" algn="ctr">
+                      <a:solidFill>
+                        <a:schemeClr val="tx1"/>
+                      </a:solidFill>
+                      <a:prstDash val="solid"/>
+                      <a:round/>
+                      <a:headEnd type="none" w="med" len="med"/>
+                      <a:tailEnd type="none" w="med" len="med"/>
+                    </a:lnR>
+                    <a:lnT w="12700" cap="flat" cmpd="sng" algn="ctr">
+                      <a:solidFill>
+                        <a:schemeClr val="tx1"/>
+                      </a:solidFill>
+                      <a:prstDash val="solid"/>
+                      <a:round/>
+                      <a:headEnd type="none" w="med" len="med"/>
+                      <a:tailEnd type="none" w="med" len="med"/>
+                    </a:lnT>
+                    <a:lnB w="12700" cap="flat" cmpd="sng" algn="ctr">
+                      <a:solidFill>
+                        <a:schemeClr val="tx1"/>
+                      </a:solidFill>
+                      <a:prstDash val="solid"/>
+                      <a:round/>
+                      <a:headEnd type="none" w="med" len="med"/>
+                      <a:tailEnd type="none" w="med" len="med"/>
+                    </a:lnB>
+                  </a:tcPr>
+                </a:tc>
+                <a:tc>
+                  <a:txBody>
+                    <a:bodyPr/>
+                    <a:lstStyle/>
+                    <a:p>
+                      <a:pPr marL="0" marR="0" lvl="0" indent="0" algn="ctr" defTabSz="914400" rtl="0" eaLnBrk="1" fontAlgn="auto" latinLnBrk="0" hangingPunct="1">
+                        <a:lnSpc>
+                          <a:spcPct val="100000"/>
+                        </a:lnSpc>
+                        <a:spcBef>
+                          <a:spcPts val="0"/>
+                        </a:spcBef>
+                        <a:spcAft>
+                          <a:spcPts val="0"/>
+                        </a:spcAft>
+                        <a:buClrTx/>
+                        <a:buSzTx/>
+                        <a:buFontTx/>
+                        <a:buNone/>
+                        <a:tabLst/>
+                        <a:defRPr/>
+                      </a:pPr>
+                      <a:r>
+                        <a:rPr lang="es-CO" sz="1000" dirty="0"/>
+                        <a:t>28 abril – 2 mayo</a:t>
+                      </a:r>
+                    </a:p>
+                  </a:txBody>
+                  <a:tcPr>
+                    <a:lnL w="12700" cap="flat" cmpd="sng" algn="ctr">
+                      <a:solidFill>
+                        <a:schemeClr val="tx1"/>
+                      </a:solidFill>
+                      <a:prstDash val="solid"/>
+                      <a:round/>
+                      <a:headEnd type="none" w="med" len="med"/>
+                      <a:tailEnd type="none" w="med" len="med"/>
+                    </a:lnL>
+                    <a:lnR w="12700" cap="flat" cmpd="sng" algn="ctr">
+                      <a:solidFill>
+                        <a:schemeClr val="tx1"/>
+                      </a:solidFill>
+                      <a:prstDash val="solid"/>
+                      <a:round/>
+                      <a:headEnd type="none" w="med" len="med"/>
+                      <a:tailEnd type="none" w="med" len="med"/>
+                    </a:lnR>
+                    <a:lnT w="12700" cap="flat" cmpd="sng" algn="ctr">
+                      <a:solidFill>
+                        <a:schemeClr val="tx1"/>
+                      </a:solidFill>
+                      <a:prstDash val="solid"/>
+                      <a:round/>
+                      <a:headEnd type="none" w="med" len="med"/>
+                      <a:tailEnd type="none" w="med" len="med"/>
+                    </a:lnT>
+                    <a:lnB w="12700" cap="flat" cmpd="sng" algn="ctr">
+                      <a:solidFill>
+                        <a:schemeClr val="tx1"/>
+                      </a:solidFill>
+                      <a:prstDash val="solid"/>
+                      <a:round/>
+                      <a:headEnd type="none" w="med" len="med"/>
+                      <a:tailEnd type="none" w="med" len="med"/>
+                    </a:lnB>
+                  </a:tcPr>
+                </a:tc>
+                <a:tc>
+                  <a:txBody>
+                    <a:bodyPr/>
+                    <a:lstStyle/>
+                    <a:p>
+                      <a:pPr marL="0" marR="0" lvl="0" indent="0" algn="ctr" defTabSz="685800" rtl="0" eaLnBrk="1" fontAlgn="auto" latinLnBrk="0" hangingPunct="1">
+                        <a:lnSpc>
+                          <a:spcPct val="100000"/>
+                        </a:lnSpc>
+                        <a:spcBef>
+                          <a:spcPts val="0"/>
+                        </a:spcBef>
+                        <a:spcAft>
+                          <a:spcPts val="0"/>
+                        </a:spcAft>
+                        <a:buClrTx/>
+                        <a:buSzTx/>
+                        <a:buFontTx/>
+                        <a:buNone/>
+                        <a:tabLst/>
+                        <a:defRPr/>
+                      </a:pPr>
+                      <a:r>
+                        <a:rPr lang="es-CO" sz="1000" dirty="0"/>
+                        <a:t>El controlador PID</a:t>
+                      </a:r>
+                    </a:p>
+                  </a:txBody>
+                  <a:tcPr>
+                    <a:lnL w="12700" cap="flat" cmpd="sng" algn="ctr">
+                      <a:solidFill>
+                        <a:schemeClr val="tx1"/>
+                      </a:solidFill>
+                      <a:prstDash val="solid"/>
+                      <a:round/>
+                      <a:headEnd type="none" w="med" len="med"/>
+                      <a:tailEnd type="none" w="med" len="med"/>
+                    </a:lnL>
+                    <a:lnR w="12700" cap="flat" cmpd="sng" algn="ctr">
+                      <a:solidFill>
+                        <a:schemeClr val="tx1"/>
+                      </a:solidFill>
+                      <a:prstDash val="solid"/>
+                      <a:round/>
+                      <a:headEnd type="none" w="med" len="med"/>
+                      <a:tailEnd type="none" w="med" len="med"/>
+                    </a:lnR>
+                    <a:lnT w="12700" cap="flat" cmpd="sng" algn="ctr">
+                      <a:solidFill>
+                        <a:schemeClr val="tx1"/>
+                      </a:solidFill>
+                      <a:prstDash val="solid"/>
+                      <a:round/>
+                      <a:headEnd type="none" w="med" len="med"/>
+                      <a:tailEnd type="none" w="med" len="med"/>
+                    </a:lnT>
+                    <a:lnB w="12700" cap="flat" cmpd="sng" algn="ctr">
+                      <a:solidFill>
+                        <a:schemeClr val="tx1"/>
+                      </a:solidFill>
+                      <a:prstDash val="solid"/>
+                      <a:round/>
+                      <a:headEnd type="none" w="med" len="med"/>
+                      <a:tailEnd type="none" w="med" len="med"/>
+                    </a:lnB>
+                  </a:tcPr>
+                </a:tc>
+                <a:extLst>
+                  <a:ext uri="{0D108BD9-81ED-4DB2-BD59-A6C34878D82A}">
                     <a16:rowId xmlns:a16="http://schemas.microsoft.com/office/drawing/2014/main" val="3127511249"/>
                   </a:ext>
                 </a:extLst>
@@ -10927,7 +10946,204 @@
                             <a:schemeClr val="tx1"/>
                           </a:solidFill>
                         </a:rPr>
-                        <a:t>28 octubre – 1 noviembre</a:t>
+                        <a:t>5 mayo – 9 mayo</a:t>
+                      </a:r>
+                    </a:p>
+                  </a:txBody>
+                  <a:tcPr>
+                    <a:lnL w="12700" cap="flat" cmpd="sng" algn="ctr">
+                      <a:solidFill>
+                        <a:schemeClr val="tx1"/>
+                      </a:solidFill>
+                      <a:prstDash val="solid"/>
+                      <a:round/>
+                      <a:headEnd type="none" w="med" len="med"/>
+                      <a:tailEnd type="none" w="med" len="med"/>
+                    </a:lnL>
+                    <a:lnR w="12700" cap="flat" cmpd="sng" algn="ctr">
+                      <a:solidFill>
+                        <a:schemeClr val="tx1"/>
+                      </a:solidFill>
+                      <a:prstDash val="solid"/>
+                      <a:round/>
+                      <a:headEnd type="none" w="med" len="med"/>
+                      <a:tailEnd type="none" w="med" len="med"/>
+                    </a:lnR>
+                    <a:lnT w="12700" cap="flat" cmpd="sng" algn="ctr">
+                      <a:solidFill>
+                        <a:schemeClr val="tx1"/>
+                      </a:solidFill>
+                      <a:prstDash val="solid"/>
+                      <a:round/>
+                      <a:headEnd type="none" w="med" len="med"/>
+                      <a:tailEnd type="none" w="med" len="med"/>
+                    </a:lnT>
+                    <a:lnB w="12700" cap="flat" cmpd="sng" algn="ctr">
+                      <a:solidFill>
+                        <a:schemeClr val="tx1"/>
+                      </a:solidFill>
+                      <a:prstDash val="solid"/>
+                      <a:round/>
+                      <a:headEnd type="none" w="med" len="med"/>
+                      <a:tailEnd type="none" w="med" len="med"/>
+                    </a:lnB>
+                  </a:tcPr>
+                </a:tc>
+                <a:tc>
+                  <a:txBody>
+                    <a:bodyPr/>
+                    <a:lstStyle/>
+                    <a:p>
+                      <a:pPr marL="0" marR="0" lvl="0" indent="0" algn="ctr" defTabSz="685800" rtl="0" eaLnBrk="1" fontAlgn="auto" latinLnBrk="0" hangingPunct="1">
+                        <a:lnSpc>
+                          <a:spcPct val="100000"/>
+                        </a:lnSpc>
+                        <a:spcBef>
+                          <a:spcPts val="0"/>
+                        </a:spcBef>
+                        <a:spcAft>
+                          <a:spcPts val="0"/>
+                        </a:spcAft>
+                        <a:buClrTx/>
+                        <a:buSzTx/>
+                        <a:buFontTx/>
+                        <a:buNone/>
+                        <a:tabLst/>
+                        <a:defRPr/>
+                      </a:pPr>
+                      <a:r>
+                        <a:rPr lang="es-CO" sz="1000" dirty="0"/>
+                        <a:t>Diseño basado en LGR</a:t>
+                      </a:r>
+                    </a:p>
+                  </a:txBody>
+                  <a:tcPr>
+                    <a:lnL w="12700" cap="flat" cmpd="sng" algn="ctr">
+                      <a:solidFill>
+                        <a:schemeClr val="tx1"/>
+                      </a:solidFill>
+                      <a:prstDash val="solid"/>
+                      <a:round/>
+                      <a:headEnd type="none" w="med" len="med"/>
+                      <a:tailEnd type="none" w="med" len="med"/>
+                    </a:lnL>
+                    <a:lnR w="12700" cap="flat" cmpd="sng" algn="ctr">
+                      <a:solidFill>
+                        <a:schemeClr val="tx1"/>
+                      </a:solidFill>
+                      <a:prstDash val="solid"/>
+                      <a:round/>
+                      <a:headEnd type="none" w="med" len="med"/>
+                      <a:tailEnd type="none" w="med" len="med"/>
+                    </a:lnR>
+                    <a:lnT w="12700" cap="flat" cmpd="sng" algn="ctr">
+                      <a:solidFill>
+                        <a:schemeClr val="tx1"/>
+                      </a:solidFill>
+                      <a:prstDash val="solid"/>
+                      <a:round/>
+                      <a:headEnd type="none" w="med" len="med"/>
+                      <a:tailEnd type="none" w="med" len="med"/>
+                    </a:lnT>
+                    <a:lnB w="12700" cap="flat" cmpd="sng" algn="ctr">
+                      <a:solidFill>
+                        <a:schemeClr val="tx1"/>
+                      </a:solidFill>
+                      <a:prstDash val="solid"/>
+                      <a:round/>
+                      <a:headEnd type="none" w="med" len="med"/>
+                      <a:tailEnd type="none" w="med" len="med"/>
+                    </a:lnB>
+                  </a:tcPr>
+                </a:tc>
+                <a:extLst>
+                  <a:ext uri="{0D108BD9-81ED-4DB2-BD59-A6C34878D82A}">
+                    <a16:rowId xmlns:a16="http://schemas.microsoft.com/office/drawing/2014/main" val="1978658262"/>
+                  </a:ext>
+                </a:extLst>
+              </a:tr>
+              <a:tr h="269131">
+                <a:tc>
+                  <a:txBody>
+                    <a:bodyPr/>
+                    <a:lstStyle/>
+                    <a:p>
+                      <a:pPr algn="ctr"/>
+                      <a:r>
+                        <a:rPr lang="es-ES" sz="1000" dirty="0"/>
+                        <a:t>15</a:t>
+                      </a:r>
+                      <a:endParaRPr lang="es-CO" sz="1000" dirty="0"/>
+                    </a:p>
+                  </a:txBody>
+                  <a:tcPr>
+                    <a:lnL w="12700" cap="flat" cmpd="sng" algn="ctr">
+                      <a:solidFill>
+                        <a:schemeClr val="tx1"/>
+                      </a:solidFill>
+                      <a:prstDash val="solid"/>
+                      <a:round/>
+                      <a:headEnd type="none" w="med" len="med"/>
+                      <a:tailEnd type="none" w="med" len="med"/>
+                    </a:lnL>
+                    <a:lnR w="12700" cap="flat" cmpd="sng" algn="ctr">
+                      <a:solidFill>
+                        <a:schemeClr val="tx1"/>
+                      </a:solidFill>
+                      <a:prstDash val="solid"/>
+                      <a:round/>
+                      <a:headEnd type="none" w="med" len="med"/>
+                      <a:tailEnd type="none" w="med" len="med"/>
+                    </a:lnR>
+                    <a:lnT w="12700" cap="flat" cmpd="sng" algn="ctr">
+                      <a:solidFill>
+                        <a:schemeClr val="tx1"/>
+                      </a:solidFill>
+                      <a:prstDash val="solid"/>
+                      <a:round/>
+                      <a:headEnd type="none" w="med" len="med"/>
+                      <a:tailEnd type="none" w="med" len="med"/>
+                    </a:lnT>
+                    <a:lnB w="12700" cap="flat" cmpd="sng" algn="ctr">
+                      <a:solidFill>
+                        <a:schemeClr val="tx1"/>
+                      </a:solidFill>
+                      <a:prstDash val="solid"/>
+                      <a:round/>
+                      <a:headEnd type="none" w="med" len="med"/>
+                      <a:tailEnd type="none" w="med" len="med"/>
+                    </a:lnB>
+                  </a:tcPr>
+                </a:tc>
+                <a:tc>
+                  <a:txBody>
+                    <a:bodyPr/>
+                    <a:lstStyle/>
+                    <a:p>
+                      <a:pPr marL="0" marR="0" lvl="0" indent="0" algn="ctr" defTabSz="914400" rtl="0" eaLnBrk="1" fontAlgn="auto" latinLnBrk="0" hangingPunct="1">
+                        <a:lnSpc>
+                          <a:spcPct val="100000"/>
+                        </a:lnSpc>
+                        <a:spcBef>
+                          <a:spcPts val="0"/>
+                        </a:spcBef>
+                        <a:spcAft>
+                          <a:spcPts val="0"/>
+                        </a:spcAft>
+                        <a:buClrTx/>
+                        <a:buSzTx/>
+                        <a:buFontTx/>
+                        <a:buNone/>
+                        <a:tabLst/>
+                        <a:defRPr/>
+                      </a:pPr>
+                      <a:r>
+                        <a:rPr lang="es-CO" sz="1000" dirty="0">
+                          <a:solidFill>
+                            <a:schemeClr val="tx1"/>
+                          </a:solidFill>
+                        </a:rPr>
+                        <a:t>12 mayo – 16 mayo</a:t>
                       </a:r>
                     </a:p>
                   </a:txBody>
@@ -11039,190 +11255,6 @@
                 </a:tc>
                 <a:extLst>
                   <a:ext uri="{0D108BD9-81ED-4DB2-BD59-A6C34878D82A}">
-                    <a16:rowId xmlns:a16="http://schemas.microsoft.com/office/drawing/2014/main" val="1978658262"/>
-                  </a:ext>
-                </a:extLst>
-              </a:tr>
-              <a:tr h="269131">
-                <a:tc>
-                  <a:txBody>
-                    <a:bodyPr/>
-                    <a:lstStyle/>
-                    <a:p>
-                      <a:pPr algn="ctr"/>
-                      <a:r>
-                        <a:rPr lang="es-ES" sz="1000" dirty="0"/>
-                        <a:t>15</a:t>
-                      </a:r>
-                      <a:endParaRPr lang="es-CO" sz="1000" dirty="0"/>
-                    </a:p>
-                  </a:txBody>
-                  <a:tcPr>
-                    <a:lnL w="12700" cap="flat" cmpd="sng" algn="ctr">
-                      <a:solidFill>
-                        <a:schemeClr val="tx1"/>
-                      </a:solidFill>
-                      <a:prstDash val="solid"/>
-                      <a:round/>
-                      <a:headEnd type="none" w="med" len="med"/>
-                      <a:tailEnd type="none" w="med" len="med"/>
-                    </a:lnL>
-                    <a:lnR w="12700" cap="flat" cmpd="sng" algn="ctr">
-                      <a:solidFill>
-                        <a:schemeClr val="tx1"/>
-                      </a:solidFill>
-                      <a:prstDash val="solid"/>
-                      <a:round/>
-                      <a:headEnd type="none" w="med" len="med"/>
-                      <a:tailEnd type="none" w="med" len="med"/>
-                    </a:lnR>
-                    <a:lnT w="12700" cap="flat" cmpd="sng" algn="ctr">
-                      <a:solidFill>
-                        <a:schemeClr val="tx1"/>
-                      </a:solidFill>
-                      <a:prstDash val="solid"/>
-                      <a:round/>
-                      <a:headEnd type="none" w="med" len="med"/>
-                      <a:tailEnd type="none" w="med" len="med"/>
-                    </a:lnT>
-                    <a:lnB w="12700" cap="flat" cmpd="sng" algn="ctr">
-                      <a:solidFill>
-                        <a:schemeClr val="tx1"/>
-                      </a:solidFill>
-                      <a:prstDash val="solid"/>
-                      <a:round/>
-                      <a:headEnd type="none" w="med" len="med"/>
-                      <a:tailEnd type="none" w="med" len="med"/>
-                    </a:lnB>
-                  </a:tcPr>
-                </a:tc>
-                <a:tc>
-                  <a:txBody>
-                    <a:bodyPr/>
-                    <a:lstStyle/>
-                    <a:p>
-                      <a:pPr marL="0" marR="0" lvl="0" indent="0" algn="ctr" defTabSz="914400" rtl="0" eaLnBrk="1" fontAlgn="auto" latinLnBrk="0" hangingPunct="1">
-                        <a:lnSpc>
-                          <a:spcPct val="100000"/>
-                        </a:lnSpc>
-                        <a:spcBef>
-                          <a:spcPts val="0"/>
-                        </a:spcBef>
-                        <a:spcAft>
-                          <a:spcPts val="0"/>
-                        </a:spcAft>
-                        <a:buClrTx/>
-                        <a:buSzTx/>
-                        <a:buFontTx/>
-                        <a:buNone/>
-                        <a:tabLst/>
-                        <a:defRPr/>
-                      </a:pPr>
-                      <a:r>
-                        <a:rPr lang="es-CO" sz="1000" dirty="0">
-                          <a:solidFill>
-                            <a:srgbClr val="FF0000"/>
-                          </a:solidFill>
-                          <a:highlight>
-                            <a:srgbClr val="FFFF00"/>
-                          </a:highlight>
-                        </a:rPr>
-                        <a:t>4 noviembre – 11 noviembre</a:t>
-                      </a:r>
-                    </a:p>
-                  </a:txBody>
-                  <a:tcPr>
-                    <a:lnL w="12700" cap="flat" cmpd="sng" algn="ctr">
-                      <a:solidFill>
-                        <a:schemeClr val="tx1"/>
-                      </a:solidFill>
-                      <a:prstDash val="solid"/>
-                      <a:round/>
-                      <a:headEnd type="none" w="med" len="med"/>
-                      <a:tailEnd type="none" w="med" len="med"/>
-                    </a:lnL>
-                    <a:lnR w="12700" cap="flat" cmpd="sng" algn="ctr">
-                      <a:solidFill>
-                        <a:schemeClr val="tx1"/>
-                      </a:solidFill>
-                      <a:prstDash val="solid"/>
-                      <a:round/>
-                      <a:headEnd type="none" w="med" len="med"/>
-                      <a:tailEnd type="none" w="med" len="med"/>
-                    </a:lnR>
-                    <a:lnT w="12700" cap="flat" cmpd="sng" algn="ctr">
-                      <a:solidFill>
-                        <a:schemeClr val="tx1"/>
-                      </a:solidFill>
-                      <a:prstDash val="solid"/>
-                      <a:round/>
-                      <a:headEnd type="none" w="med" len="med"/>
-                      <a:tailEnd type="none" w="med" len="med"/>
-                    </a:lnT>
-                    <a:lnB w="12700" cap="flat" cmpd="sng" algn="ctr">
-                      <a:solidFill>
-                        <a:schemeClr val="tx1"/>
-                      </a:solidFill>
-                      <a:prstDash val="solid"/>
-                      <a:round/>
-                      <a:headEnd type="none" w="med" len="med"/>
-                      <a:tailEnd type="none" w="med" len="med"/>
-                    </a:lnB>
-                  </a:tcPr>
-                </a:tc>
-                <a:tc>
-                  <a:txBody>
-                    <a:bodyPr/>
-                    <a:lstStyle/>
-                    <a:p>
-                      <a:pPr algn="ctr"/>
-                      <a:r>
-                        <a:rPr lang="es-CO" sz="1000" dirty="0"/>
-                        <a:t>-</a:t>
-                      </a:r>
-                    </a:p>
-                  </a:txBody>
-                  <a:tcPr>
-                    <a:lnL w="12700" cap="flat" cmpd="sng" algn="ctr">
-                      <a:solidFill>
-                        <a:schemeClr val="tx1"/>
-                      </a:solidFill>
-                      <a:prstDash val="solid"/>
-                      <a:round/>
-                      <a:headEnd type="none" w="med" len="med"/>
-                      <a:tailEnd type="none" w="med" len="med"/>
-                    </a:lnL>
-                    <a:lnR w="12700" cap="flat" cmpd="sng" algn="ctr">
-                      <a:solidFill>
-                        <a:schemeClr val="tx1"/>
-                      </a:solidFill>
-                      <a:prstDash val="solid"/>
-                      <a:round/>
-                      <a:headEnd type="none" w="med" len="med"/>
-                      <a:tailEnd type="none" w="med" len="med"/>
-                    </a:lnR>
-                    <a:lnT w="12700" cap="flat" cmpd="sng" algn="ctr">
-                      <a:solidFill>
-                        <a:schemeClr val="tx1"/>
-                      </a:solidFill>
-                      <a:prstDash val="solid"/>
-                      <a:round/>
-                      <a:headEnd type="none" w="med" len="med"/>
-                      <a:tailEnd type="none" w="med" len="med"/>
-                    </a:lnT>
-                    <a:lnB w="12700" cap="flat" cmpd="sng" algn="ctr">
-                      <a:solidFill>
-                        <a:schemeClr val="tx1"/>
-                      </a:solidFill>
-                      <a:prstDash val="solid"/>
-                      <a:round/>
-                      <a:headEnd type="none" w="med" len="med"/>
-                      <a:tailEnd type="none" w="med" len="med"/>
-                    </a:lnB>
-                  </a:tcPr>
-                </a:tc>
-                <a:extLst>
-                  <a:ext uri="{0D108BD9-81ED-4DB2-BD59-A6C34878D82A}">
                     <a16:rowId xmlns:a16="http://schemas.microsoft.com/office/drawing/2014/main" val="1088546271"/>
                   </a:ext>
                 </a:extLst>
@@ -11289,363 +11321,10 @@
                       <a:r>
                         <a:rPr lang="es-CO" sz="1000" dirty="0">
                           <a:solidFill>
-                            <a:srgbClr val="FF0000"/>
-                          </a:solidFill>
-                          <a:highlight>
-                            <a:srgbClr val="FFFF00"/>
-                          </a:highlight>
-                        </a:rPr>
-                        <a:t>11 noviembre – 15 noviembre </a:t>
-                      </a:r>
-                    </a:p>
-                  </a:txBody>
-                  <a:tcPr>
-                    <a:lnL w="12700" cap="flat" cmpd="sng" algn="ctr">
-                      <a:solidFill>
-                        <a:schemeClr val="tx1"/>
-                      </a:solidFill>
-                      <a:prstDash val="solid"/>
-                      <a:round/>
-                      <a:headEnd type="none" w="med" len="med"/>
-                      <a:tailEnd type="none" w="med" len="med"/>
-                    </a:lnL>
-                    <a:lnR w="12700" cap="flat" cmpd="sng" algn="ctr">
-                      <a:solidFill>
-                        <a:schemeClr val="tx1"/>
-                      </a:solidFill>
-                      <a:prstDash val="solid"/>
-                      <a:round/>
-                      <a:headEnd type="none" w="med" len="med"/>
-                      <a:tailEnd type="none" w="med" len="med"/>
-                    </a:lnR>
-                    <a:lnT w="12700" cap="flat" cmpd="sng" algn="ctr">
-                      <a:solidFill>
-                        <a:schemeClr val="tx1"/>
-                      </a:solidFill>
-                      <a:prstDash val="solid"/>
-                      <a:round/>
-                      <a:headEnd type="none" w="med" len="med"/>
-                      <a:tailEnd type="none" w="med" len="med"/>
-                    </a:lnT>
-                    <a:lnB w="12700" cap="flat" cmpd="sng" algn="ctr">
-                      <a:solidFill>
-                        <a:schemeClr val="tx1"/>
-                      </a:solidFill>
-                      <a:prstDash val="solid"/>
-                      <a:round/>
-                      <a:headEnd type="none" w="med" len="med"/>
-                      <a:tailEnd type="none" w="med" len="med"/>
-                    </a:lnB>
-                  </a:tcPr>
-                </a:tc>
-                <a:tc>
-                  <a:txBody>
-                    <a:bodyPr/>
-                    <a:lstStyle/>
-                    <a:p>
-                      <a:pPr marL="0" marR="0" lvl="0" indent="0" algn="ctr" defTabSz="685800" rtl="0" eaLnBrk="1" fontAlgn="auto" latinLnBrk="0" hangingPunct="1">
-                        <a:lnSpc>
-                          <a:spcPct val="100000"/>
-                        </a:lnSpc>
-                        <a:spcBef>
-                          <a:spcPts val="0"/>
-                        </a:spcBef>
-                        <a:spcAft>
-                          <a:spcPts val="0"/>
-                        </a:spcAft>
-                        <a:buClrTx/>
-                        <a:buSzTx/>
-                        <a:buFontTx/>
-                        <a:buNone/>
-                        <a:tabLst/>
-                        <a:defRPr/>
-                      </a:pPr>
-                      <a:r>
-                        <a:rPr lang="es-CO" sz="1000" b="1" u="sng" dirty="0">
-                          <a:solidFill>
-                            <a:srgbClr val="C00000"/>
-                          </a:solidFill>
-                        </a:rPr>
-                        <a:t>-</a:t>
-                      </a:r>
-                    </a:p>
-                  </a:txBody>
-                  <a:tcPr>
-                    <a:lnL w="12700" cap="flat" cmpd="sng" algn="ctr">
-                      <a:solidFill>
-                        <a:schemeClr val="tx1"/>
-                      </a:solidFill>
-                      <a:prstDash val="solid"/>
-                      <a:round/>
-                      <a:headEnd type="none" w="med" len="med"/>
-                      <a:tailEnd type="none" w="med" len="med"/>
-                    </a:lnL>
-                    <a:lnR w="12700" cap="flat" cmpd="sng" algn="ctr">
-                      <a:solidFill>
-                        <a:schemeClr val="tx1"/>
-                      </a:solidFill>
-                      <a:prstDash val="solid"/>
-                      <a:round/>
-                      <a:headEnd type="none" w="med" len="med"/>
-                      <a:tailEnd type="none" w="med" len="med"/>
-                    </a:lnR>
-                    <a:lnT w="12700" cap="flat" cmpd="sng" algn="ctr">
-                      <a:solidFill>
-                        <a:schemeClr val="tx1"/>
-                      </a:solidFill>
-                      <a:prstDash val="solid"/>
-                      <a:round/>
-                      <a:headEnd type="none" w="med" len="med"/>
-                      <a:tailEnd type="none" w="med" len="med"/>
-                    </a:lnT>
-                    <a:lnB w="12700" cap="flat" cmpd="sng" algn="ctr">
-                      <a:solidFill>
-                        <a:schemeClr val="tx1"/>
-                      </a:solidFill>
-                      <a:prstDash val="solid"/>
-                      <a:round/>
-                      <a:headEnd type="none" w="med" len="med"/>
-                      <a:tailEnd type="none" w="med" len="med"/>
-                    </a:lnB>
-                  </a:tcPr>
-                </a:tc>
-                <a:extLst>
-                  <a:ext uri="{0D108BD9-81ED-4DB2-BD59-A6C34878D82A}">
-                    <a16:rowId xmlns:a16="http://schemas.microsoft.com/office/drawing/2014/main" val="2357030376"/>
-                  </a:ext>
-                </a:extLst>
-              </a:tr>
-              <a:tr h="269131">
-                <a:tc>
-                  <a:txBody>
-                    <a:bodyPr/>
-                    <a:lstStyle/>
-                    <a:p>
-                      <a:pPr algn="ctr"/>
-                      <a:r>
-                        <a:rPr lang="es-ES" sz="1000" dirty="0"/>
-                        <a:t>17</a:t>
-                      </a:r>
-                      <a:endParaRPr lang="es-CO" sz="1000" dirty="0"/>
-                    </a:p>
-                  </a:txBody>
-                  <a:tcPr>
-                    <a:lnL w="12700" cap="flat" cmpd="sng" algn="ctr">
-                      <a:solidFill>
-                        <a:schemeClr val="tx1"/>
-                      </a:solidFill>
-                      <a:prstDash val="solid"/>
-                      <a:round/>
-                      <a:headEnd type="none" w="med" len="med"/>
-                      <a:tailEnd type="none" w="med" len="med"/>
-                    </a:lnL>
-                    <a:lnR w="12700" cap="flat" cmpd="sng" algn="ctr">
-                      <a:solidFill>
-                        <a:schemeClr val="tx1"/>
-                      </a:solidFill>
-                      <a:prstDash val="solid"/>
-                      <a:round/>
-                      <a:headEnd type="none" w="med" len="med"/>
-                      <a:tailEnd type="none" w="med" len="med"/>
-                    </a:lnR>
-                    <a:lnT w="12700" cap="flat" cmpd="sng" algn="ctr">
-                      <a:solidFill>
-                        <a:schemeClr val="tx1"/>
-                      </a:solidFill>
-                      <a:prstDash val="solid"/>
-                      <a:round/>
-                      <a:headEnd type="none" w="med" len="med"/>
-                      <a:tailEnd type="none" w="med" len="med"/>
-                    </a:lnT>
-                    <a:lnB w="12700" cap="flat" cmpd="sng" algn="ctr">
-                      <a:solidFill>
-                        <a:schemeClr val="tx1"/>
-                      </a:solidFill>
-                      <a:prstDash val="solid"/>
-                      <a:round/>
-                      <a:headEnd type="none" w="med" len="med"/>
-                      <a:tailEnd type="none" w="med" len="med"/>
-                    </a:lnB>
-                  </a:tcPr>
-                </a:tc>
-                <a:tc>
-                  <a:txBody>
-                    <a:bodyPr/>
-                    <a:lstStyle/>
-                    <a:p>
-                      <a:pPr algn="ctr"/>
-                      <a:r>
-                        <a:rPr lang="es-CO" sz="1000" dirty="0">
-                          <a:solidFill>
                             <a:schemeClr val="tx1"/>
                           </a:solidFill>
                         </a:rPr>
-                        <a:t>18 noviembre – 22 noviembre</a:t>
-                      </a:r>
-                    </a:p>
-                  </a:txBody>
-                  <a:tcPr>
-                    <a:lnL w="12700" cap="flat" cmpd="sng" algn="ctr">
-                      <a:solidFill>
-                        <a:schemeClr val="tx1"/>
-                      </a:solidFill>
-                      <a:prstDash val="solid"/>
-                      <a:round/>
-                      <a:headEnd type="none" w="med" len="med"/>
-                      <a:tailEnd type="none" w="med" len="med"/>
-                    </a:lnL>
-                    <a:lnR w="12700" cap="flat" cmpd="sng" algn="ctr">
-                      <a:solidFill>
-                        <a:schemeClr val="tx1"/>
-                      </a:solidFill>
-                      <a:prstDash val="solid"/>
-                      <a:round/>
-                      <a:headEnd type="none" w="med" len="med"/>
-                      <a:tailEnd type="none" w="med" len="med"/>
-                    </a:lnR>
-                    <a:lnT w="12700" cap="flat" cmpd="sng" algn="ctr">
-                      <a:solidFill>
-                        <a:schemeClr val="tx1"/>
-                      </a:solidFill>
-                      <a:prstDash val="solid"/>
-                      <a:round/>
-                      <a:headEnd type="none" w="med" len="med"/>
-                      <a:tailEnd type="none" w="med" len="med"/>
-                    </a:lnT>
-                    <a:lnB w="12700" cap="flat" cmpd="sng" algn="ctr">
-                      <a:solidFill>
-                        <a:schemeClr val="tx1"/>
-                      </a:solidFill>
-                      <a:prstDash val="solid"/>
-                      <a:round/>
-                      <a:headEnd type="none" w="med" len="med"/>
-                      <a:tailEnd type="none" w="med" len="med"/>
-                    </a:lnB>
-                  </a:tcPr>
-                </a:tc>
-                <a:tc>
-                  <a:txBody>
-                    <a:bodyPr/>
-                    <a:lstStyle/>
-                    <a:p>
-                      <a:pPr algn="ctr"/>
-                      <a:endParaRPr lang="es-CO" sz="1000" b="1" u="sng" dirty="0">
-                        <a:solidFill>
-                          <a:srgbClr val="C00000"/>
-                        </a:solidFill>
-                      </a:endParaRPr>
-                    </a:p>
-                  </a:txBody>
-                  <a:tcPr>
-                    <a:lnL w="12700" cap="flat" cmpd="sng" algn="ctr">
-                      <a:solidFill>
-                        <a:schemeClr val="tx1"/>
-                      </a:solidFill>
-                      <a:prstDash val="solid"/>
-                      <a:round/>
-                      <a:headEnd type="none" w="med" len="med"/>
-                      <a:tailEnd type="none" w="med" len="med"/>
-                    </a:lnL>
-                    <a:lnR w="12700" cap="flat" cmpd="sng" algn="ctr">
-                      <a:solidFill>
-                        <a:schemeClr val="tx1"/>
-                      </a:solidFill>
-                      <a:prstDash val="solid"/>
-                      <a:round/>
-                      <a:headEnd type="none" w="med" len="med"/>
-                      <a:tailEnd type="none" w="med" len="med"/>
-                    </a:lnR>
-                    <a:lnT w="12700" cap="flat" cmpd="sng" algn="ctr">
-                      <a:solidFill>
-                        <a:schemeClr val="tx1"/>
-                      </a:solidFill>
-                      <a:prstDash val="solid"/>
-                      <a:round/>
-                      <a:headEnd type="none" w="med" len="med"/>
-                      <a:tailEnd type="none" w="med" len="med"/>
-                    </a:lnT>
-                    <a:lnB w="12700" cap="flat" cmpd="sng" algn="ctr">
-                      <a:solidFill>
-                        <a:schemeClr val="tx1"/>
-                      </a:solidFill>
-                      <a:prstDash val="solid"/>
-                      <a:round/>
-                      <a:headEnd type="none" w="med" len="med"/>
-                      <a:tailEnd type="none" w="med" len="med"/>
-                    </a:lnB>
-                  </a:tcPr>
-                </a:tc>
-                <a:extLst>
-                  <a:ext uri="{0D108BD9-81ED-4DB2-BD59-A6C34878D82A}">
-                    <a16:rowId xmlns:a16="http://schemas.microsoft.com/office/drawing/2014/main" val="4092288061"/>
-                  </a:ext>
-                </a:extLst>
-              </a:tr>
-              <a:tr h="269131">
-                <a:tc>
-                  <a:txBody>
-                    <a:bodyPr/>
-                    <a:lstStyle/>
-                    <a:p>
-                      <a:pPr algn="ctr"/>
-                      <a:r>
-                        <a:rPr lang="es-CO" sz="1000" dirty="0"/>
-                        <a:t>18</a:t>
-                      </a:r>
-                    </a:p>
-                  </a:txBody>
-                  <a:tcPr>
-                    <a:lnL w="12700" cap="flat" cmpd="sng" algn="ctr">
-                      <a:solidFill>
-                        <a:schemeClr val="tx1"/>
-                      </a:solidFill>
-                      <a:prstDash val="solid"/>
-                      <a:round/>
-                      <a:headEnd type="none" w="med" len="med"/>
-                      <a:tailEnd type="none" w="med" len="med"/>
-                    </a:lnL>
-                    <a:lnR w="12700" cap="flat" cmpd="sng" algn="ctr">
-                      <a:solidFill>
-                        <a:schemeClr val="tx1"/>
-                      </a:solidFill>
-                      <a:prstDash val="solid"/>
-                      <a:round/>
-                      <a:headEnd type="none" w="med" len="med"/>
-                      <a:tailEnd type="none" w="med" len="med"/>
-                    </a:lnR>
-                    <a:lnT w="12700" cap="flat" cmpd="sng" algn="ctr">
-                      <a:solidFill>
-                        <a:schemeClr val="tx1"/>
-                      </a:solidFill>
-                      <a:prstDash val="solid"/>
-                      <a:round/>
-                      <a:headEnd type="none" w="med" len="med"/>
-                      <a:tailEnd type="none" w="med" len="med"/>
-                    </a:lnT>
-                    <a:lnB w="12700" cap="flat" cmpd="sng" algn="ctr">
-                      <a:solidFill>
-                        <a:schemeClr val="tx1"/>
-                      </a:solidFill>
-                      <a:prstDash val="solid"/>
-                      <a:round/>
-                      <a:headEnd type="none" w="med" len="med"/>
-                      <a:tailEnd type="none" w="med" len="med"/>
-                    </a:lnB>
-                  </a:tcPr>
-                </a:tc>
-                <a:tc>
-                  <a:txBody>
-                    <a:bodyPr/>
-                    <a:lstStyle/>
-                    <a:p>
-                      <a:pPr algn="ctr"/>
-                      <a:r>
-                        <a:rPr lang="es-CO" sz="1000" dirty="0">
-                          <a:solidFill>
-                            <a:schemeClr val="tx1"/>
-                          </a:solidFill>
-                        </a:rPr>
-                        <a:t>25 noviembre – 29 noviembre</a:t>
+                        <a:t>19 mayo – 23 mayo</a:t>
                       </a:r>
                     </a:p>
                   </a:txBody>
@@ -11758,7 +11437,7 @@
                 </a:tc>
                 <a:extLst>
                   <a:ext uri="{0D108BD9-81ED-4DB2-BD59-A6C34878D82A}">
-                    <a16:rowId xmlns:a16="http://schemas.microsoft.com/office/drawing/2014/main" val="747768826"/>
+                    <a16:rowId xmlns:a16="http://schemas.microsoft.com/office/drawing/2014/main" val="2357030376"/>
                   </a:ext>
                 </a:extLst>
               </a:tr>
@@ -11770,9 +11449,10 @@
                     <a:p>
                       <a:pPr algn="ctr"/>
                       <a:r>
-                        <a:rPr lang="es-CO" sz="1000" dirty="0"/>
-                        <a:t>19</a:t>
+                        <a:rPr lang="es-ES" sz="1000" dirty="0"/>
+                        <a:t>17</a:t>
                       </a:r>
+                      <a:endParaRPr lang="es-CO" sz="1000" dirty="0"/>
                     </a:p>
                   </a:txBody>
                   <a:tcPr>
@@ -11826,7 +11506,175 @@
                             <a:schemeClr val="tx1"/>
                           </a:solidFill>
                         </a:rPr>
-                        <a:t>3 diciembre – 7 diciembre</a:t>
+                        <a:t>26 mayo – 30 mayo</a:t>
+                      </a:r>
+                    </a:p>
+                  </a:txBody>
+                  <a:tcPr>
+                    <a:lnL w="12700" cap="flat" cmpd="sng" algn="ctr">
+                      <a:solidFill>
+                        <a:schemeClr val="tx1"/>
+                      </a:solidFill>
+                      <a:prstDash val="solid"/>
+                      <a:round/>
+                      <a:headEnd type="none" w="med" len="med"/>
+                      <a:tailEnd type="none" w="med" len="med"/>
+                    </a:lnL>
+                    <a:lnR w="12700" cap="flat" cmpd="sng" algn="ctr">
+                      <a:solidFill>
+                        <a:schemeClr val="tx1"/>
+                      </a:solidFill>
+                      <a:prstDash val="solid"/>
+                      <a:round/>
+                      <a:headEnd type="none" w="med" len="med"/>
+                      <a:tailEnd type="none" w="med" len="med"/>
+                    </a:lnR>
+                    <a:lnT w="12700" cap="flat" cmpd="sng" algn="ctr">
+                      <a:solidFill>
+                        <a:schemeClr val="tx1"/>
+                      </a:solidFill>
+                      <a:prstDash val="solid"/>
+                      <a:round/>
+                      <a:headEnd type="none" w="med" len="med"/>
+                      <a:tailEnd type="none" w="med" len="med"/>
+                    </a:lnT>
+                    <a:lnB w="12700" cap="flat" cmpd="sng" algn="ctr">
+                      <a:solidFill>
+                        <a:schemeClr val="tx1"/>
+                      </a:solidFill>
+                      <a:prstDash val="solid"/>
+                      <a:round/>
+                      <a:headEnd type="none" w="med" len="med"/>
+                      <a:tailEnd type="none" w="med" len="med"/>
+                    </a:lnB>
+                  </a:tcPr>
+                </a:tc>
+                <a:tc>
+                  <a:txBody>
+                    <a:bodyPr/>
+                    <a:lstStyle/>
+                    <a:p>
+                      <a:pPr algn="ctr"/>
+                      <a:endParaRPr lang="es-CO" sz="1000" b="1" u="sng" dirty="0">
+                        <a:solidFill>
+                          <a:srgbClr val="C00000"/>
+                        </a:solidFill>
+                      </a:endParaRPr>
+                    </a:p>
+                  </a:txBody>
+                  <a:tcPr>
+                    <a:lnL w="12700" cap="flat" cmpd="sng" algn="ctr">
+                      <a:solidFill>
+                        <a:schemeClr val="tx1"/>
+                      </a:solidFill>
+                      <a:prstDash val="solid"/>
+                      <a:round/>
+                      <a:headEnd type="none" w="med" len="med"/>
+                      <a:tailEnd type="none" w="med" len="med"/>
+                    </a:lnL>
+                    <a:lnR w="12700" cap="flat" cmpd="sng" algn="ctr">
+                      <a:solidFill>
+                        <a:schemeClr val="tx1"/>
+                      </a:solidFill>
+                      <a:prstDash val="solid"/>
+                      <a:round/>
+                      <a:headEnd type="none" w="med" len="med"/>
+                      <a:tailEnd type="none" w="med" len="med"/>
+                    </a:lnR>
+                    <a:lnT w="12700" cap="flat" cmpd="sng" algn="ctr">
+                      <a:solidFill>
+                        <a:schemeClr val="tx1"/>
+                      </a:solidFill>
+                      <a:prstDash val="solid"/>
+                      <a:round/>
+                      <a:headEnd type="none" w="med" len="med"/>
+                      <a:tailEnd type="none" w="med" len="med"/>
+                    </a:lnT>
+                    <a:lnB w="12700" cap="flat" cmpd="sng" algn="ctr">
+                      <a:solidFill>
+                        <a:schemeClr val="tx1"/>
+                      </a:solidFill>
+                      <a:prstDash val="solid"/>
+                      <a:round/>
+                      <a:headEnd type="none" w="med" len="med"/>
+                      <a:tailEnd type="none" w="med" len="med"/>
+                    </a:lnB>
+                  </a:tcPr>
+                </a:tc>
+                <a:extLst>
+                  <a:ext uri="{0D108BD9-81ED-4DB2-BD59-A6C34878D82A}">
+                    <a16:rowId xmlns:a16="http://schemas.microsoft.com/office/drawing/2014/main" val="4092288061"/>
+                  </a:ext>
+                </a:extLst>
+              </a:tr>
+              <a:tr h="269131">
+                <a:tc>
+                  <a:txBody>
+                    <a:bodyPr/>
+                    <a:lstStyle/>
+                    <a:p>
+                      <a:pPr algn="ctr"/>
+                      <a:r>
+                        <a:rPr lang="es-CO" sz="1000" dirty="0"/>
+                        <a:t>18</a:t>
+                      </a:r>
+                    </a:p>
+                  </a:txBody>
+                  <a:tcPr>
+                    <a:lnL w="12700" cap="flat" cmpd="sng" algn="ctr">
+                      <a:solidFill>
+                        <a:schemeClr val="tx1"/>
+                      </a:solidFill>
+                      <a:prstDash val="solid"/>
+                      <a:round/>
+                      <a:headEnd type="none" w="med" len="med"/>
+                      <a:tailEnd type="none" w="med" len="med"/>
+                    </a:lnL>
+                    <a:lnR w="12700" cap="flat" cmpd="sng" algn="ctr">
+                      <a:solidFill>
+                        <a:schemeClr val="tx1"/>
+                      </a:solidFill>
+                      <a:prstDash val="solid"/>
+                      <a:round/>
+                      <a:headEnd type="none" w="med" len="med"/>
+                      <a:tailEnd type="none" w="med" len="med"/>
+                    </a:lnR>
+                    <a:lnT w="12700" cap="flat" cmpd="sng" algn="ctr">
+                      <a:solidFill>
+                        <a:schemeClr val="tx1"/>
+                      </a:solidFill>
+                      <a:prstDash val="solid"/>
+                      <a:round/>
+                      <a:headEnd type="none" w="med" len="med"/>
+                      <a:tailEnd type="none" w="med" len="med"/>
+                    </a:lnT>
+                    <a:lnB w="12700" cap="flat" cmpd="sng" algn="ctr">
+                      <a:solidFill>
+                        <a:schemeClr val="tx1"/>
+                      </a:solidFill>
+                      <a:prstDash val="solid"/>
+                      <a:round/>
+                      <a:headEnd type="none" w="med" len="med"/>
+                      <a:tailEnd type="none" w="med" len="med"/>
+                    </a:lnB>
+                  </a:tcPr>
+                </a:tc>
+                <a:tc>
+                  <a:txBody>
+                    <a:bodyPr/>
+                    <a:lstStyle/>
+                    <a:p>
+                      <a:pPr algn="ctr"/>
+                      <a:r>
+                        <a:rPr lang="es-CO" sz="1000" dirty="0">
+                          <a:solidFill>
+                            <a:srgbClr val="FF0000"/>
+                          </a:solidFill>
+                          <a:highlight>
+                            <a:srgbClr val="FFFF00"/>
+                          </a:highlight>
+                        </a:rPr>
+                        <a:t>2 junio – 6 junio </a:t>
                       </a:r>
                     </a:p>
                   </a:txBody>
@@ -11942,7 +11790,7 @@
                 </a:tc>
                 <a:extLst>
                   <a:ext uri="{0D108BD9-81ED-4DB2-BD59-A6C34878D82A}">
-                    <a16:rowId xmlns:a16="http://schemas.microsoft.com/office/drawing/2014/main" val="4128284738"/>
+                    <a16:rowId xmlns:a16="http://schemas.microsoft.com/office/drawing/2014/main" val="747768826"/>
                   </a:ext>
                 </a:extLst>
               </a:tr>
@@ -14124,6 +13972,23 @@
 </file>
 
 <file path=customXml/item1.xml><?xml version="1.0" encoding="utf-8"?>
+<?mso-contentType ?>
+<FormTemplates xmlns="http://schemas.microsoft.com/sharepoint/v3/contenttype/forms">
+  <Display>DocumentLibraryForm</Display>
+  <Edit>DocumentLibraryForm</Edit>
+  <New>DocumentLibraryForm</New>
+</FormTemplates>
+</file>
+
+<file path=customXml/item2.xml><?xml version="1.0" encoding="utf-8"?>
+<p:properties xmlns:p="http://schemas.microsoft.com/office/2006/metadata/properties" xmlns:xsi="http://www.w3.org/2001/XMLSchema-instance" xmlns:pc="http://schemas.microsoft.com/office/infopath/2007/PartnerControls">
+  <documentManagement>
+    <_activity xmlns="bdc56f61-abc0-4f7e-bfec-a93ccd1ae886" xsi:nil="true"/>
+  </documentManagement>
+</p:properties>
+</file>
+
+<file path=customXml/item3.xml><?xml version="1.0" encoding="utf-8"?>
 <ct:contentTypeSchema xmlns:ct="http://schemas.microsoft.com/office/2006/metadata/contentType" xmlns:ma="http://schemas.microsoft.com/office/2006/metadata/properties/metaAttributes" ct:_="" ma:_="" ma:contentTypeName="Documento" ma:contentTypeID="0x0101007A62137D465CE64A8C883A4664514BF8" ma:contentTypeVersion="15" ma:contentTypeDescription="Crear nuevo documento." ma:contentTypeScope="" ma:versionID="a1bd1d59f691eb9bca6952b111268275">
   <xsd:schema xmlns:xsd="http://www.w3.org/2001/XMLSchema" xmlns:xs="http://www.w3.org/2001/XMLSchema" xmlns:p="http://schemas.microsoft.com/office/2006/metadata/properties" xmlns:ns3="669280c1-d17e-4d1d-bd7f-b4f14cc6bf1d" xmlns:ns4="bdc56f61-abc0-4f7e-bfec-a93ccd1ae886" targetNamespace="http://schemas.microsoft.com/office/2006/metadata/properties" ma:root="true" ma:fieldsID="d02990a02f19f0f9fc7b999b1809cae4" ns3:_="" ns4:_="">
     <xsd:import namespace="669280c1-d17e-4d1d-bd7f-b4f14cc6bf1d"/>
@@ -14358,38 +14223,10 @@
 </ct:contentTypeSchema>
 </file>
 
-<file path=customXml/item2.xml><?xml version="1.0" encoding="utf-8"?>
-<p:properties xmlns:p="http://schemas.microsoft.com/office/2006/metadata/properties" xmlns:xsi="http://www.w3.org/2001/XMLSchema-instance" xmlns:pc="http://schemas.microsoft.com/office/infopath/2007/PartnerControls">
-  <documentManagement>
-    <_activity xmlns="bdc56f61-abc0-4f7e-bfec-a93ccd1ae886" xsi:nil="true"/>
-  </documentManagement>
-</p:properties>
-</file>
-
-<file path=customXml/item3.xml><?xml version="1.0" encoding="utf-8"?>
-<?mso-contentType ?>
-<FormTemplates xmlns="http://schemas.microsoft.com/sharepoint/v3/contenttype/forms">
-  <Display>DocumentLibraryForm</Display>
-  <Edit>DocumentLibraryForm</Edit>
-  <New>DocumentLibraryForm</New>
-</FormTemplates>
-</file>
-
 <file path=customXml/itemProps1.xml><?xml version="1.0" encoding="utf-8"?>
-<ds:datastoreItem xmlns:ds="http://schemas.openxmlformats.org/officeDocument/2006/customXml" ds:itemID="{025820C3-FD82-4EFC-BF14-EAF1F9613F52}">
+<ds:datastoreItem xmlns:ds="http://schemas.openxmlformats.org/officeDocument/2006/customXml" ds:itemID="{4E8623C8-32E1-48B0-9F0A-13F2E9582B7E}">
   <ds:schemaRefs>
-    <ds:schemaRef ds:uri="669280c1-d17e-4d1d-bd7f-b4f14cc6bf1d"/>
-    <ds:schemaRef ds:uri="bdc56f61-abc0-4f7e-bfec-a93ccd1ae886"/>
-    <ds:schemaRef ds:uri="http://purl.org/dc/elements/1.1/"/>
-    <ds:schemaRef ds:uri="http://purl.org/dc/terms/"/>
-    <ds:schemaRef ds:uri="http://schemas.microsoft.com/internal/obd"/>
-    <ds:schemaRef ds:uri="http://schemas.microsoft.com/office/2006/documentManagement/types"/>
-    <ds:schemaRef ds:uri="http://schemas.microsoft.com/office/2006/metadata/contentType"/>
-    <ds:schemaRef ds:uri="http://schemas.microsoft.com/office/2006/metadata/properties"/>
-    <ds:schemaRef ds:uri="http://schemas.microsoft.com/office/2006/metadata/properties/metaAttributes"/>
-    <ds:schemaRef ds:uri="http://schemas.microsoft.com/office/infopath/2007/PartnerControls"/>
-    <ds:schemaRef ds:uri="http://schemas.openxmlformats.org/package/2006/metadata/core-properties"/>
-    <ds:schemaRef ds:uri="http://www.w3.org/2001/XMLSchema"/>
+    <ds:schemaRef ds:uri="http://schemas.microsoft.com/sharepoint/v3/contenttype/forms"/>
   </ds:schemaRefs>
 </ds:datastoreItem>
 </file>
@@ -14412,9 +14249,20 @@
 </file>
 
 <file path=customXml/itemProps3.xml><?xml version="1.0" encoding="utf-8"?>
-<ds:datastoreItem xmlns:ds="http://schemas.openxmlformats.org/officeDocument/2006/customXml" ds:itemID="{4E8623C8-32E1-48B0-9F0A-13F2E9582B7E}">
+<ds:datastoreItem xmlns:ds="http://schemas.openxmlformats.org/officeDocument/2006/customXml" ds:itemID="{025820C3-FD82-4EFC-BF14-EAF1F9613F52}">
   <ds:schemaRefs>
-    <ds:schemaRef ds:uri="http://schemas.microsoft.com/sharepoint/v3/contenttype/forms"/>
+    <ds:schemaRef ds:uri="669280c1-d17e-4d1d-bd7f-b4f14cc6bf1d"/>
+    <ds:schemaRef ds:uri="bdc56f61-abc0-4f7e-bfec-a93ccd1ae886"/>
+    <ds:schemaRef ds:uri="http://purl.org/dc/elements/1.1/"/>
+    <ds:schemaRef ds:uri="http://purl.org/dc/terms/"/>
+    <ds:schemaRef ds:uri="http://schemas.microsoft.com/internal/obd"/>
+    <ds:schemaRef ds:uri="http://schemas.microsoft.com/office/2006/documentManagement/types"/>
+    <ds:schemaRef ds:uri="http://schemas.microsoft.com/office/2006/metadata/contentType"/>
+    <ds:schemaRef ds:uri="http://schemas.microsoft.com/office/2006/metadata/properties"/>
+    <ds:schemaRef ds:uri="http://schemas.microsoft.com/office/2006/metadata/properties/metaAttributes"/>
+    <ds:schemaRef ds:uri="http://schemas.microsoft.com/office/infopath/2007/PartnerControls"/>
+    <ds:schemaRef ds:uri="http://schemas.openxmlformats.org/package/2006/metadata/core-properties"/>
+    <ds:schemaRef ds:uri="http://www.w3.org/2001/XMLSchema"/>
   </ds:schemaRefs>
 </ds:datastoreItem>
 </file>